--- a/layers/Case Study_Analyzing House Price Data with Machine Learning.pptx
+++ b/layers/Case Study_Analyzing House Price Data with Machine Learning.pptx
@@ -24599,13 +24599,22 @@
               </a:spcAft>
             </a:pPr>
             <a:r>
+              <a:rPr lang="en-US" sz="1200" b="1">
+                <a:solidFill>
+                  <a:schemeClr val="tx1"/>
+                </a:solidFill>
+                <a:latin typeface="+mj-lt"/>
+              </a:rPr>
+              <a:t>Feature </a:t>
+            </a:r>
+            <a:r>
               <a:rPr lang="en-US" sz="1200" b="1" dirty="0">
                 <a:solidFill>
                   <a:schemeClr val="tx1"/>
                 </a:solidFill>
                 <a:latin typeface="+mj-lt"/>
               </a:rPr>
-              <a:t>Split Datasets and Feature Engineering.</a:t>
+              <a:t>Engineering.</a:t>
             </a:r>
           </a:p>
           <a:p>
@@ -26761,15 +26770,6 @@
 </file>
 
 <file path=customXml/item2.xml><?xml version="1.0" encoding="utf-8"?>
-<?mso-contentType ?>
-<FormTemplates xmlns="http://schemas.microsoft.com/sharepoint/v3/contenttype/forms">
-  <Display>DocumentLibraryForm</Display>
-  <Edit>DocumentLibraryForm</Edit>
-  <New>DocumentLibraryForm</New>
-</FormTemplates>
-</file>
-
-<file path=customXml/item3.xml><?xml version="1.0" encoding="utf-8"?>
 <p:properties xmlns:p="http://schemas.microsoft.com/office/2006/metadata/properties" xmlns:xsi="http://www.w3.org/2001/XMLSchema-instance" xmlns:pc="http://schemas.microsoft.com/office/infopath/2007/PartnerControls">
   <documentManagement>
     <TaxCatchAll xmlns="7ed3c4da-b135-42a5-aaf8-d0ebc05f566e">
@@ -26799,6 +26799,15 @@
 </p:properties>
 </file>
 
+<file path=customXml/item3.xml><?xml version="1.0" encoding="utf-8"?>
+<?mso-contentType ?>
+<FormTemplates xmlns="http://schemas.microsoft.com/sharepoint/v3/contenttype/forms">
+  <Display>DocumentLibraryForm</Display>
+  <Edit>DocumentLibraryForm</Edit>
+  <New>DocumentLibraryForm</New>
+</FormTemplates>
+</file>
+
 <file path=customXml/itemProps1.xml><?xml version="1.0" encoding="utf-8"?>
 <ds:datastoreItem xmlns:ds="http://schemas.openxmlformats.org/officeDocument/2006/customXml" ds:itemID="{BA890F9F-2984-4E51-ACD7-5DF631C637D9}">
   <ds:schemaRefs>
@@ -26819,14 +26828,6 @@
 </file>
 
 <file path=customXml/itemProps2.xml><?xml version="1.0" encoding="utf-8"?>
-<ds:datastoreItem xmlns:ds="http://schemas.openxmlformats.org/officeDocument/2006/customXml" ds:itemID="{D312BEDD-CD8E-464E-AE20-7BCD0C997533}">
-  <ds:schemaRefs>
-    <ds:schemaRef ds:uri="http://schemas.microsoft.com/sharepoint/v3/contenttype/forms"/>
-  </ds:schemaRefs>
-</ds:datastoreItem>
-</file>
-
-<file path=customXml/itemProps3.xml><?xml version="1.0" encoding="utf-8"?>
 <ds:datastoreItem xmlns:ds="http://schemas.openxmlformats.org/officeDocument/2006/customXml" ds:itemID="{C8EB68D2-3737-4D90-804A-6B964CF8EB88}">
   <ds:schemaRefs>
     <ds:schemaRef ds:uri="http://purl.org/dc/elements/1.1/"/>
@@ -26843,6 +26844,14 @@
 </ds:datastoreItem>
 </file>
 
+<file path=customXml/itemProps3.xml><?xml version="1.0" encoding="utf-8"?>
+<ds:datastoreItem xmlns:ds="http://schemas.openxmlformats.org/officeDocument/2006/customXml" ds:itemID="{D312BEDD-CD8E-464E-AE20-7BCD0C997533}">
+  <ds:schemaRefs>
+    <ds:schemaRef ds:uri="http://schemas.microsoft.com/sharepoint/v3/contenttype/forms"/>
+  </ds:schemaRefs>
+</ds:datastoreItem>
+</file>
+
 <file path=docMetadata/LabelInfo.xml><?xml version="1.0" encoding="utf-8"?>
 <clbl:labelList xmlns:clbl="http://schemas.microsoft.com/office/2020/mipLabelMetadata">
   <clbl:label id="{243bd71d-cef7-442d-b37f-3ff10a3e2832}" enabled="0" method="" siteId="{243bd71d-cef7-442d-b37f-3ff10a3e2832}" removed="1"/>

--- a/layers/Case Study_Analyzing House Price Data with Machine Learning.pptx
+++ b/layers/Case Study_Analyzing House Price Data with Machine Learning.pptx
@@ -25238,8 +25238,23 @@
                 </a:solidFill>
                 <a:latin typeface="+mj-lt"/>
               </a:rPr>
-              <a:t>Training the model</a:t>
+              <a:t>Training </a:t>
             </a:r>
+            <a:r>
+              <a:rPr lang="en-US" sz="1200" b="1">
+                <a:solidFill>
+                  <a:schemeClr val="tx1"/>
+                </a:solidFill>
+                <a:latin typeface="+mj-lt"/>
+              </a:rPr>
+              <a:t>the models</a:t>
+            </a:r>
+            <a:endParaRPr lang="en-US" sz="1200" b="1" dirty="0">
+              <a:solidFill>
+                <a:schemeClr val="tx1"/>
+              </a:solidFill>
+              <a:latin typeface="+mj-lt"/>
+            </a:endParaRPr>
           </a:p>
           <a:p>
             <a:pPr defTabSz="685800">
@@ -25543,7 +25558,7 @@
                 </a:solidFill>
                 <a:latin typeface="+mj-lt"/>
               </a:rPr>
-              <a:t>Evaluate the model</a:t>
+              <a:t>Evaluate the models</a:t>
             </a:r>
           </a:p>
           <a:p>
@@ -26770,6 +26785,15 @@
 </file>
 
 <file path=customXml/item2.xml><?xml version="1.0" encoding="utf-8"?>
+<?mso-contentType ?>
+<FormTemplates xmlns="http://schemas.microsoft.com/sharepoint/v3/contenttype/forms">
+  <Display>DocumentLibraryForm</Display>
+  <Edit>DocumentLibraryForm</Edit>
+  <New>DocumentLibraryForm</New>
+</FormTemplates>
+</file>
+
+<file path=customXml/item3.xml><?xml version="1.0" encoding="utf-8"?>
 <p:properties xmlns:p="http://schemas.microsoft.com/office/2006/metadata/properties" xmlns:xsi="http://www.w3.org/2001/XMLSchema-instance" xmlns:pc="http://schemas.microsoft.com/office/infopath/2007/PartnerControls">
   <documentManagement>
     <TaxCatchAll xmlns="7ed3c4da-b135-42a5-aaf8-d0ebc05f566e">
@@ -26799,15 +26823,6 @@
 </p:properties>
 </file>
 
-<file path=customXml/item3.xml><?xml version="1.0" encoding="utf-8"?>
-<?mso-contentType ?>
-<FormTemplates xmlns="http://schemas.microsoft.com/sharepoint/v3/contenttype/forms">
-  <Display>DocumentLibraryForm</Display>
-  <Edit>DocumentLibraryForm</Edit>
-  <New>DocumentLibraryForm</New>
-</FormTemplates>
-</file>
-
 <file path=customXml/itemProps1.xml><?xml version="1.0" encoding="utf-8"?>
 <ds:datastoreItem xmlns:ds="http://schemas.openxmlformats.org/officeDocument/2006/customXml" ds:itemID="{BA890F9F-2984-4E51-ACD7-5DF631C637D9}">
   <ds:schemaRefs>
@@ -26828,6 +26843,14 @@
 </file>
 
 <file path=customXml/itemProps2.xml><?xml version="1.0" encoding="utf-8"?>
+<ds:datastoreItem xmlns:ds="http://schemas.openxmlformats.org/officeDocument/2006/customXml" ds:itemID="{D312BEDD-CD8E-464E-AE20-7BCD0C997533}">
+  <ds:schemaRefs>
+    <ds:schemaRef ds:uri="http://schemas.microsoft.com/sharepoint/v3/contenttype/forms"/>
+  </ds:schemaRefs>
+</ds:datastoreItem>
+</file>
+
+<file path=customXml/itemProps3.xml><?xml version="1.0" encoding="utf-8"?>
 <ds:datastoreItem xmlns:ds="http://schemas.openxmlformats.org/officeDocument/2006/customXml" ds:itemID="{C8EB68D2-3737-4D90-804A-6B964CF8EB88}">
   <ds:schemaRefs>
     <ds:schemaRef ds:uri="http://purl.org/dc/elements/1.1/"/>
@@ -26844,14 +26867,6 @@
 </ds:datastoreItem>
 </file>
 
-<file path=customXml/itemProps3.xml><?xml version="1.0" encoding="utf-8"?>
-<ds:datastoreItem xmlns:ds="http://schemas.openxmlformats.org/officeDocument/2006/customXml" ds:itemID="{D312BEDD-CD8E-464E-AE20-7BCD0C997533}">
-  <ds:schemaRefs>
-    <ds:schemaRef ds:uri="http://schemas.microsoft.com/sharepoint/v3/contenttype/forms"/>
-  </ds:schemaRefs>
-</ds:datastoreItem>
-</file>
-
 <file path=docMetadata/LabelInfo.xml><?xml version="1.0" encoding="utf-8"?>
 <clbl:labelList xmlns:clbl="http://schemas.microsoft.com/office/2020/mipLabelMetadata">
   <clbl:label id="{243bd71d-cef7-442d-b37f-3ff10a3e2832}" enabled="0" method="" siteId="{243bd71d-cef7-442d-b37f-3ff10a3e2832}" removed="1"/>

--- a/layers/Case Study_Analyzing House Price Data with Machine Learning.pptx
+++ b/layers/Case Study_Analyzing House Price Data with Machine Learning.pptx
@@ -488,7 +488,7 @@
             <a:fld id="{515A4E5C-469D-D740-9530-74929B5AC623}" type="datetimeFigureOut">
               <a:rPr lang="en-US" smtClean="0"/>
               <a:pPr/>
-              <a:t>10/11/2025</a:t>
+              <a:t>11/3/2025</a:t>
             </a:fld>
             <a:endParaRPr lang="en-US"/>
           </a:p>
@@ -24161,7 +24161,7 @@
         </p:nvSpPr>
         <p:spPr>
           <a:xfrm>
-            <a:off x="4929712" y="1651706"/>
+            <a:off x="4929712" y="1478572"/>
             <a:ext cx="2656512" cy="605294"/>
           </a:xfrm>
           <a:prstGeom prst="rect">
@@ -24402,7 +24402,7 @@
         </p:nvSpPr>
         <p:spPr>
           <a:xfrm>
-            <a:off x="4929712" y="2496143"/>
+            <a:off x="4905952" y="2233295"/>
             <a:ext cx="3351464" cy="605294"/>
           </a:xfrm>
           <a:prstGeom prst="rect">
@@ -24599,22 +24599,13 @@
               </a:spcAft>
             </a:pPr>
             <a:r>
-              <a:rPr lang="en-US" sz="1200" b="1">
-                <a:solidFill>
-                  <a:schemeClr val="tx1"/>
-                </a:solidFill>
-                <a:latin typeface="+mj-lt"/>
-              </a:rPr>
-              <a:t>Feature </a:t>
-            </a:r>
-            <a:r>
               <a:rPr lang="en-US" sz="1200" b="1" dirty="0">
                 <a:solidFill>
                   <a:schemeClr val="tx1"/>
                 </a:solidFill>
                 <a:latin typeface="+mj-lt"/>
               </a:rPr>
-              <a:t>Engineering.</a:t>
+              <a:t>Feature Engineering.</a:t>
             </a:r>
           </a:p>
           <a:p>
@@ -24657,7 +24648,7 @@
         <p:spPr>
           <a:xfrm>
             <a:off x="4571998" y="1107272"/>
-            <a:ext cx="0" cy="2928956"/>
+            <a:ext cx="0" cy="3101492"/>
           </a:xfrm>
           <a:prstGeom prst="line">
             <a:avLst/>
@@ -24761,7 +24752,7 @@
         </p:nvSpPr>
         <p:spPr>
           <a:xfrm>
-            <a:off x="4405020" y="1595857"/>
+            <a:off x="4405020" y="1484728"/>
             <a:ext cx="333955" cy="333955"/>
           </a:xfrm>
           <a:prstGeom prst="ellipse">
@@ -24825,7 +24816,7 @@
         </p:nvSpPr>
         <p:spPr>
           <a:xfrm>
-            <a:off x="4405020" y="2409314"/>
+            <a:off x="4405020" y="2201987"/>
             <a:ext cx="333955" cy="333955"/>
           </a:xfrm>
           <a:prstGeom prst="ellipse">
@@ -24971,7 +24962,7 @@
         </p:nvSpPr>
         <p:spPr>
           <a:xfrm>
-            <a:off x="4405021" y="3222771"/>
+            <a:off x="4405019" y="2919246"/>
             <a:ext cx="333955" cy="333955"/>
           </a:xfrm>
           <a:prstGeom prst="ellipse">
@@ -25035,7 +25026,7 @@
         </p:nvSpPr>
         <p:spPr>
           <a:xfrm>
-            <a:off x="4929712" y="3340580"/>
+            <a:off x="4905952" y="2955757"/>
             <a:ext cx="3351464" cy="420628"/>
           </a:xfrm>
           <a:prstGeom prst="rect">
@@ -25238,23 +25229,8 @@
                 </a:solidFill>
                 <a:latin typeface="+mj-lt"/>
               </a:rPr>
-              <a:t>Training </a:t>
+              <a:t>Training the models</a:t>
             </a:r>
-            <a:r>
-              <a:rPr lang="en-US" sz="1200" b="1">
-                <a:solidFill>
-                  <a:schemeClr val="tx1"/>
-                </a:solidFill>
-                <a:latin typeface="+mj-lt"/>
-              </a:rPr>
-              <a:t>the models</a:t>
-            </a:r>
-            <a:endParaRPr lang="en-US" sz="1200" b="1" dirty="0">
-              <a:solidFill>
-                <a:schemeClr val="tx1"/>
-              </a:solidFill>
-              <a:latin typeface="+mj-lt"/>
-            </a:endParaRPr>
           </a:p>
           <a:p>
             <a:pPr defTabSz="685800">
@@ -25291,7 +25267,7 @@
         </p:nvSpPr>
         <p:spPr>
           <a:xfrm>
-            <a:off x="4405020" y="4036228"/>
+            <a:off x="4405020" y="4208764"/>
             <a:ext cx="333955" cy="333955"/>
           </a:xfrm>
           <a:prstGeom prst="ellipse">
@@ -25336,7 +25312,7 @@
                 <a:ea typeface="Roboto Condensed" panose="02000000000000000000" pitchFamily="2" charset="0"/>
                 <a:cs typeface="Roboto Condensed" panose="02000000000000000000" pitchFamily="2" charset="0"/>
               </a:rPr>
-              <a:t>8</a:t>
+              <a:t>9</a:t>
             </a:r>
           </a:p>
         </p:txBody>
@@ -25355,7 +25331,7 @@
         </p:nvSpPr>
         <p:spPr>
           <a:xfrm>
-            <a:off x="4929712" y="4036228"/>
+            <a:off x="4905952" y="3493553"/>
             <a:ext cx="3351464" cy="420628"/>
           </a:xfrm>
           <a:prstGeom prst="rect">
@@ -25582,6 +25558,306 @@
           </a:p>
         </p:txBody>
       </p:sp>
+      <p:sp>
+        <p:nvSpPr>
+          <p:cNvPr id="3" name="Oval 2">
+            <a:extLst>
+              <a:ext uri="{FF2B5EF4-FFF2-40B4-BE49-F238E27FC236}">
+                <a16:creationId xmlns:a16="http://schemas.microsoft.com/office/drawing/2014/main" id="{2F98F49B-9FE9-1781-331B-4A11D1B1E50A}"/>
+              </a:ext>
+            </a:extLst>
+          </p:cNvPr>
+          <p:cNvSpPr/>
+          <p:nvPr/>
+        </p:nvSpPr>
+        <p:spPr>
+          <a:xfrm>
+            <a:off x="4405019" y="3536889"/>
+            <a:ext cx="333955" cy="333955"/>
+          </a:xfrm>
+          <a:prstGeom prst="ellipse">
+            <a:avLst/>
+          </a:prstGeom>
+          <a:solidFill>
+            <a:schemeClr val="bg1"/>
+          </a:solidFill>
+          <a:ln>
+            <a:solidFill>
+              <a:schemeClr val="tx2"/>
+            </a:solidFill>
+          </a:ln>
+        </p:spPr>
+        <p:style>
+          <a:lnRef idx="2">
+            <a:schemeClr val="accent1">
+              <a:shade val="15000"/>
+            </a:schemeClr>
+          </a:lnRef>
+          <a:fillRef idx="1">
+            <a:schemeClr val="accent1"/>
+          </a:fillRef>
+          <a:effectRef idx="0">
+            <a:schemeClr val="accent1"/>
+          </a:effectRef>
+          <a:fontRef idx="minor">
+            <a:schemeClr val="lt1"/>
+          </a:fontRef>
+        </p:style>
+        <p:txBody>
+          <a:bodyPr rtlCol="0" anchor="ctr"/>
+          <a:lstStyle/>
+          <a:p>
+            <a:pPr algn="ctr"/>
+            <a:r>
+              <a:rPr lang="en-US" b="1" dirty="0">
+                <a:solidFill>
+                  <a:schemeClr val="tx1"/>
+                </a:solidFill>
+                <a:latin typeface="Roboto Condensed" panose="02000000000000000000" pitchFamily="2" charset="0"/>
+                <a:ea typeface="Roboto Condensed" panose="02000000000000000000" pitchFamily="2" charset="0"/>
+                <a:cs typeface="Roboto Condensed" panose="02000000000000000000" pitchFamily="2" charset="0"/>
+              </a:rPr>
+              <a:t>8</a:t>
+            </a:r>
+          </a:p>
+        </p:txBody>
+      </p:sp>
+      <p:sp>
+        <p:nvSpPr>
+          <p:cNvPr id="12" name="TextBox 11">
+            <a:extLst>
+              <a:ext uri="{FF2B5EF4-FFF2-40B4-BE49-F238E27FC236}">
+                <a16:creationId xmlns:a16="http://schemas.microsoft.com/office/drawing/2014/main" id="{622E8B3E-3DA6-9313-C302-8199A8DCAF5B}"/>
+              </a:ext>
+            </a:extLst>
+          </p:cNvPr>
+          <p:cNvSpPr txBox="1"/>
+          <p:nvPr/>
+        </p:nvSpPr>
+        <p:spPr>
+          <a:xfrm>
+            <a:off x="4929712" y="4208764"/>
+            <a:ext cx="3351464" cy="369332"/>
+          </a:xfrm>
+          <a:prstGeom prst="rect">
+            <a:avLst/>
+          </a:prstGeom>
+          <a:noFill/>
+        </p:spPr>
+        <p:txBody>
+          <a:bodyPr rot="0" spcFirstLastPara="0" vertOverflow="overflow" horzOverflow="overflow" vert="horz" wrap="square" lIns="0" tIns="0" rIns="0" bIns="0" numCol="1" spcCol="0" rtlCol="0" fromWordArt="0" anchor="t" anchorCtr="0" forceAA="0" compatLnSpc="1">
+            <a:prstTxWarp prst="textNoShape">
+              <a:avLst/>
+            </a:prstTxWarp>
+            <a:spAutoFit/>
+          </a:bodyPr>
+          <a:lstStyle>
+            <a:defPPr>
+              <a:defRPr sz="1600" b="0" i="0" kern="1200">
+                <a:solidFill>
+                  <a:schemeClr val="tx1">
+                    <a:lumMod val="75000"/>
+                    <a:lumOff val="25000"/>
+                  </a:schemeClr>
+                </a:solidFill>
+                <a:latin typeface="Lato Light" panose="020F0302020204030203" pitchFamily="34" charset="77"/>
+                <a:ea typeface="+mn-ea"/>
+                <a:cs typeface="+mn-cs"/>
+              </a:defRPr>
+            </a:defPPr>
+            <a:lvl1pPr marL="0" indent="0" algn="l" defTabSz="914377" rtl="0" eaLnBrk="1" latinLnBrk="0" hangingPunct="1">
+              <a:lnSpc>
+                <a:spcPct val="120000"/>
+              </a:lnSpc>
+              <a:spcBef>
+                <a:spcPts val="0"/>
+              </a:spcBef>
+              <a:spcAft>
+                <a:spcPts val="1067"/>
+              </a:spcAft>
+              <a:buClr>
+                <a:schemeClr val="tx2"/>
+              </a:buClr>
+              <a:buSzPct val="90000"/>
+              <a:buFont typeface="Lato Light" panose="020B0604020202020204" pitchFamily="34" charset="0"/>
+              <a:buNone/>
+              <a:tabLst/>
+              <a:defRPr sz="1600" b="0" i="0" kern="1200">
+                <a:solidFill>
+                  <a:schemeClr val="tx1">
+                    <a:lumMod val="75000"/>
+                    <a:lumOff val="25000"/>
+                  </a:schemeClr>
+                </a:solidFill>
+                <a:latin typeface="Lato Light" panose="020F0302020204030203" pitchFamily="34" charset="77"/>
+                <a:ea typeface="+mn-ea"/>
+                <a:cs typeface="+mn-cs"/>
+              </a:defRPr>
+            </a:lvl1pPr>
+            <a:lvl2pPr marL="154513" indent="-146047" algn="l" defTabSz="914377" rtl="0" eaLnBrk="1" latinLnBrk="0" hangingPunct="1">
+              <a:lnSpc>
+                <a:spcPct val="90000"/>
+              </a:lnSpc>
+              <a:spcBef>
+                <a:spcPts val="0"/>
+              </a:spcBef>
+              <a:spcAft>
+                <a:spcPts val="667"/>
+              </a:spcAft>
+              <a:buClr>
+                <a:schemeClr val="tx2"/>
+              </a:buClr>
+              <a:buSzPct val="90000"/>
+              <a:buFont typeface="Lato Light" panose="020B0604020202020204" pitchFamily="34" charset="0"/>
+              <a:buChar char="•"/>
+              <a:tabLst/>
+              <a:defRPr sz="1600" b="0" i="0" kern="1200">
+                <a:solidFill>
+                  <a:schemeClr val="tx1">
+                    <a:lumMod val="75000"/>
+                    <a:lumOff val="25000"/>
+                  </a:schemeClr>
+                </a:solidFill>
+                <a:latin typeface="Lato Light" panose="020F0302020204030203" pitchFamily="34" charset="77"/>
+                <a:ea typeface="+mn-ea"/>
+                <a:cs typeface="+mn-cs"/>
+              </a:defRPr>
+            </a:lvl2pPr>
+            <a:lvl3pPr marL="309026" indent="-162980" algn="l" defTabSz="914377" rtl="0" eaLnBrk="1" latinLnBrk="0" hangingPunct="1">
+              <a:lnSpc>
+                <a:spcPct val="90000"/>
+              </a:lnSpc>
+              <a:spcBef>
+                <a:spcPts val="0"/>
+              </a:spcBef>
+              <a:spcAft>
+                <a:spcPts val="667"/>
+              </a:spcAft>
+              <a:buClr>
+                <a:schemeClr val="tx2"/>
+              </a:buClr>
+              <a:buSzPct val="90000"/>
+              <a:buFont typeface="Lato Light" panose="020B0604020202020204" pitchFamily="34" charset="0"/>
+              <a:buChar char="•"/>
+              <a:tabLst/>
+              <a:defRPr sz="1467" b="0" i="0" kern="1200">
+                <a:solidFill>
+                  <a:schemeClr val="tx1">
+                    <a:lumMod val="75000"/>
+                    <a:lumOff val="25000"/>
+                  </a:schemeClr>
+                </a:solidFill>
+                <a:latin typeface="Lato Light" panose="020F0302020204030203" pitchFamily="34" charset="77"/>
+                <a:ea typeface="+mn-ea"/>
+                <a:cs typeface="+mn-cs"/>
+              </a:defRPr>
+            </a:lvl3pPr>
+            <a:lvl4pPr marL="463539" indent="-146047" algn="l" defTabSz="914377" rtl="0" eaLnBrk="1" latinLnBrk="0" hangingPunct="1">
+              <a:lnSpc>
+                <a:spcPct val="90000"/>
+              </a:lnSpc>
+              <a:spcBef>
+                <a:spcPts val="0"/>
+              </a:spcBef>
+              <a:spcAft>
+                <a:spcPts val="667"/>
+              </a:spcAft>
+              <a:buClr>
+                <a:schemeClr val="tx2"/>
+              </a:buClr>
+              <a:buSzPct val="90000"/>
+              <a:buFont typeface="Lato Light" panose="020B0604020202020204" pitchFamily="34" charset="0"/>
+              <a:buChar char="•"/>
+              <a:tabLst/>
+              <a:defRPr sz="1333" b="0" i="0" kern="1200">
+                <a:solidFill>
+                  <a:schemeClr val="tx1">
+                    <a:lumMod val="75000"/>
+                    <a:lumOff val="25000"/>
+                  </a:schemeClr>
+                </a:solidFill>
+                <a:latin typeface="Lato Light" panose="020F0302020204030203" pitchFamily="34" charset="77"/>
+                <a:ea typeface="+mn-ea"/>
+                <a:cs typeface="+mn-cs"/>
+              </a:defRPr>
+            </a:lvl4pPr>
+            <a:lvl5pPr marL="539737" indent="-101597" algn="l" defTabSz="914377" rtl="0" eaLnBrk="1" latinLnBrk="0" hangingPunct="1">
+              <a:lnSpc>
+                <a:spcPct val="90000"/>
+              </a:lnSpc>
+              <a:spcBef>
+                <a:spcPts val="0"/>
+              </a:spcBef>
+              <a:spcAft>
+                <a:spcPts val="667"/>
+              </a:spcAft>
+              <a:buClr>
+                <a:schemeClr val="tx2"/>
+              </a:buClr>
+              <a:buSzPct val="90000"/>
+              <a:buFont typeface="Lato Light" panose="020B0604020202020204" pitchFamily="34" charset="0"/>
+              <a:buChar char="•"/>
+              <a:tabLst/>
+              <a:defRPr sz="1200" b="0" i="0" kern="1200">
+                <a:solidFill>
+                  <a:schemeClr val="tx1">
+                    <a:lumMod val="75000"/>
+                    <a:lumOff val="25000"/>
+                  </a:schemeClr>
+                </a:solidFill>
+                <a:latin typeface="Lato Light" panose="020F0302020204030203" pitchFamily="34" charset="77"/>
+                <a:ea typeface="+mn-ea"/>
+                <a:cs typeface="+mn-cs"/>
+              </a:defRPr>
+            </a:lvl5pPr>
+            <a:lvl6pPr>
+              <a:defRPr sz="1333"/>
+            </a:lvl6pPr>
+            <a:lvl7pPr>
+              <a:defRPr sz="1333"/>
+            </a:lvl7pPr>
+            <a:lvl8pPr>
+              <a:defRPr sz="1333"/>
+            </a:lvl8pPr>
+            <a:lvl9pPr>
+              <a:defRPr sz="1333"/>
+            </a:lvl9pPr>
+          </a:lstStyle>
+          <a:p>
+            <a:pPr defTabSz="685800">
+              <a:lnSpc>
+                <a:spcPct val="100000"/>
+              </a:lnSpc>
+              <a:spcAft>
+                <a:spcPts val="400"/>
+              </a:spcAft>
+            </a:pPr>
+            <a:r>
+              <a:rPr lang="en-US" sz="1200" b="1" dirty="0">
+                <a:solidFill>
+                  <a:schemeClr val="tx1"/>
+                </a:solidFill>
+                <a:latin typeface="+mj-lt"/>
+              </a:rPr>
+              <a:t>Deploy the best model</a:t>
+            </a:r>
+            <a:br>
+              <a:rPr lang="en-US" sz="1200" b="1" dirty="0">
+                <a:solidFill>
+                  <a:schemeClr val="tx1"/>
+                </a:solidFill>
+                <a:latin typeface="+mj-lt"/>
+              </a:rPr>
+            </a:br>
+            <a:endParaRPr lang="en-US" sz="1200" dirty="0">
+              <a:solidFill>
+                <a:schemeClr val="tx1"/>
+              </a:solidFill>
+              <a:latin typeface="Lato" panose="020F0502020204030203" pitchFamily="34" charset="77"/>
+            </a:endParaRPr>
+          </a:p>
+        </p:txBody>
+      </p:sp>
     </p:spTree>
     <p:extLst>
       <p:ext uri="{BB962C8B-B14F-4D97-AF65-F5344CB8AC3E}">
@@ -25690,7 +25966,15 @@
             </a:br>
             <a:r>
               <a:rPr lang="en-US" sz="1400" dirty="0"/>
-              <a:t>The objective of this project is to develop a regression model to predict housing prices in Hyderabad, India. Using features such as the property's area, location, number of bedrooms, and available amenities, the model will aim to estimate the market value of a property as accurately as possible.</a:t>
+              <a:t>The objective of this project is to develop a regression, neuronal network and </a:t>
+            </a:r>
+            <a:r>
+              <a:rPr lang="en-US" sz="1400" dirty="0" err="1"/>
+              <a:t>XGboots</a:t>
+            </a:r>
+            <a:r>
+              <a:rPr lang="en-US" sz="1400" dirty="0"/>
+              <a:t> models to predict housing prices in Hyderabad, India. Using features such as the property's area, location, number of bedrooms, and available amenities, the model will aim to estimate the market value of a property as accurately as possible.</a:t>
             </a:r>
           </a:p>
           <a:p>
@@ -26785,15 +27069,6 @@
 </file>
 
 <file path=customXml/item2.xml><?xml version="1.0" encoding="utf-8"?>
-<?mso-contentType ?>
-<FormTemplates xmlns="http://schemas.microsoft.com/sharepoint/v3/contenttype/forms">
-  <Display>DocumentLibraryForm</Display>
-  <Edit>DocumentLibraryForm</Edit>
-  <New>DocumentLibraryForm</New>
-</FormTemplates>
-</file>
-
-<file path=customXml/item3.xml><?xml version="1.0" encoding="utf-8"?>
 <p:properties xmlns:p="http://schemas.microsoft.com/office/2006/metadata/properties" xmlns:xsi="http://www.w3.org/2001/XMLSchema-instance" xmlns:pc="http://schemas.microsoft.com/office/infopath/2007/PartnerControls">
   <documentManagement>
     <TaxCatchAll xmlns="7ed3c4da-b135-42a5-aaf8-d0ebc05f566e">
@@ -26823,6 +27098,15 @@
 </p:properties>
 </file>
 
+<file path=customXml/item3.xml><?xml version="1.0" encoding="utf-8"?>
+<?mso-contentType ?>
+<FormTemplates xmlns="http://schemas.microsoft.com/sharepoint/v3/contenttype/forms">
+  <Display>DocumentLibraryForm</Display>
+  <Edit>DocumentLibraryForm</Edit>
+  <New>DocumentLibraryForm</New>
+</FormTemplates>
+</file>
+
 <file path=customXml/itemProps1.xml><?xml version="1.0" encoding="utf-8"?>
 <ds:datastoreItem xmlns:ds="http://schemas.openxmlformats.org/officeDocument/2006/customXml" ds:itemID="{BA890F9F-2984-4E51-ACD7-5DF631C637D9}">
   <ds:schemaRefs>
@@ -26843,14 +27127,6 @@
 </file>
 
 <file path=customXml/itemProps2.xml><?xml version="1.0" encoding="utf-8"?>
-<ds:datastoreItem xmlns:ds="http://schemas.openxmlformats.org/officeDocument/2006/customXml" ds:itemID="{D312BEDD-CD8E-464E-AE20-7BCD0C997533}">
-  <ds:schemaRefs>
-    <ds:schemaRef ds:uri="http://schemas.microsoft.com/sharepoint/v3/contenttype/forms"/>
-  </ds:schemaRefs>
-</ds:datastoreItem>
-</file>
-
-<file path=customXml/itemProps3.xml><?xml version="1.0" encoding="utf-8"?>
 <ds:datastoreItem xmlns:ds="http://schemas.openxmlformats.org/officeDocument/2006/customXml" ds:itemID="{C8EB68D2-3737-4D90-804A-6B964CF8EB88}">
   <ds:schemaRefs>
     <ds:schemaRef ds:uri="http://purl.org/dc/elements/1.1/"/>
@@ -26867,6 +27143,14 @@
 </ds:datastoreItem>
 </file>
 
+<file path=customXml/itemProps3.xml><?xml version="1.0" encoding="utf-8"?>
+<ds:datastoreItem xmlns:ds="http://schemas.openxmlformats.org/officeDocument/2006/customXml" ds:itemID="{D312BEDD-CD8E-464E-AE20-7BCD0C997533}">
+  <ds:schemaRefs>
+    <ds:schemaRef ds:uri="http://schemas.microsoft.com/sharepoint/v3/contenttype/forms"/>
+  </ds:schemaRefs>
+</ds:datastoreItem>
+</file>
+
 <file path=docMetadata/LabelInfo.xml><?xml version="1.0" encoding="utf-8"?>
 <clbl:labelList xmlns:clbl="http://schemas.microsoft.com/office/2020/mipLabelMetadata">
   <clbl:label id="{243bd71d-cef7-442d-b37f-3ff10a3e2832}" enabled="0" method="" siteId="{243bd71d-cef7-442d-b37f-3ff10a3e2832}" removed="1"/>

--- a/layers/Case Study_Analyzing House Price Data with Machine Learning.pptx
+++ b/layers/Case Study_Analyzing House Price Data with Machine Learning.pptx
@@ -28,7 +28,7 @@
       <p:boldItalic r:id="rId15"/>
     </p:embeddedFont>
     <p:embeddedFont>
-      <p:font typeface="Lato Black" panose="020F0A02020204030203" pitchFamily="34" charset="0"/>
+      <p:font typeface="Lato Black" panose="020F0502020204030203" pitchFamily="34" charset="0"/>
       <p:bold r:id="rId16"/>
       <p:italic r:id="rId17"/>
       <p:boldItalic r:id="rId18"/>
@@ -22766,54 +22766,248 @@
       </p:sp>
       <p:sp>
         <p:nvSpPr>
-          <p:cNvPr id="2" name="TextBox 1">
+          <p:cNvPr id="3" name="Text Placeholder 3">
             <a:extLst>
               <a:ext uri="{FF2B5EF4-FFF2-40B4-BE49-F238E27FC236}">
-                <a16:creationId xmlns:a16="http://schemas.microsoft.com/office/drawing/2014/main" id="{C02535D8-350B-904A-FC4E-CDAC172C189A}"/>
+                <a16:creationId xmlns:a16="http://schemas.microsoft.com/office/drawing/2014/main" id="{F28A7D90-6895-CFB1-B4AC-56961B6881DD}"/>
               </a:ext>
             </a:extLst>
           </p:cNvPr>
-          <p:cNvSpPr txBox="1"/>
+          <p:cNvSpPr txBox="1">
+            <a:spLocks/>
+          </p:cNvSpPr>
           <p:nvPr/>
         </p:nvSpPr>
         <p:spPr>
           <a:xfrm>
-            <a:off x="299997" y="2147455"/>
-            <a:ext cx="8544006" cy="1489510"/>
+            <a:off x="236806" y="3718842"/>
+            <a:ext cx="6156559" cy="369332"/>
           </a:xfrm>
           <a:prstGeom prst="rect">
             <a:avLst/>
           </a:prstGeom>
-          <a:noFill/>
         </p:spPr>
         <p:txBody>
-          <a:bodyPr wrap="none" lIns="0" tIns="0" rIns="0" bIns="0" rtlCol="0">
+          <a:bodyPr vert="horz" wrap="square" lIns="0" tIns="0" rIns="0" bIns="0" rtlCol="0">
             <a:spAutoFit/>
           </a:bodyPr>
-          <a:lstStyle/>
+          <a:lstStyle>
+            <a:lvl1pPr marL="0" indent="0" algn="l" defTabSz="685800" rtl="0" eaLnBrk="1" latinLnBrk="0" hangingPunct="1">
+              <a:lnSpc>
+                <a:spcPct val="90000"/>
+              </a:lnSpc>
+              <a:spcBef>
+                <a:spcPts val="0"/>
+              </a:spcBef>
+              <a:spcAft>
+                <a:spcPts val="0"/>
+              </a:spcAft>
+              <a:buClr>
+                <a:schemeClr val="tx2"/>
+              </a:buClr>
+              <a:buSzPct val="90000"/>
+              <a:buFont typeface="Arial" panose="020B0604020202020204" pitchFamily="34" charset="0"/>
+              <a:buNone/>
+              <a:tabLst/>
+              <a:defRPr lang="en-US" sz="4800" b="0" i="0" kern="1200" dirty="0" smtClean="0">
+                <a:solidFill>
+                  <a:schemeClr val="tx1"/>
+                </a:solidFill>
+                <a:latin typeface="Lato Black" panose="020F0A02020204030203" pitchFamily="34" charset="0"/>
+                <a:ea typeface="+mj-ea"/>
+                <a:cs typeface="+mj-cs"/>
+              </a:defRPr>
+            </a:lvl1pPr>
+            <a:lvl2pPr marL="6350" indent="0" algn="l" defTabSz="685800" rtl="0" eaLnBrk="1" latinLnBrk="0" hangingPunct="1">
+              <a:lnSpc>
+                <a:spcPct val="120000"/>
+              </a:lnSpc>
+              <a:spcBef>
+                <a:spcPts val="0"/>
+              </a:spcBef>
+              <a:spcAft>
+                <a:spcPts val="0"/>
+              </a:spcAft>
+              <a:buClr>
+                <a:schemeClr val="tx2"/>
+              </a:buClr>
+              <a:buSzPct val="90000"/>
+              <a:buFont typeface="Arial" panose="020B0604020202020204" pitchFamily="34" charset="0"/>
+              <a:buNone/>
+              <a:tabLst/>
+              <a:defRPr sz="1200" b="0" i="0" kern="1200">
+                <a:solidFill>
+                  <a:schemeClr val="tx1"/>
+                </a:solidFill>
+                <a:latin typeface="+mn-lt"/>
+                <a:ea typeface="+mn-ea"/>
+                <a:cs typeface="+mn-cs"/>
+              </a:defRPr>
+            </a:lvl2pPr>
+            <a:lvl3pPr marL="237744" indent="-122238" algn="l" defTabSz="685800" rtl="0" eaLnBrk="1" latinLnBrk="0" hangingPunct="1">
+              <a:lnSpc>
+                <a:spcPct val="120000"/>
+              </a:lnSpc>
+              <a:spcBef>
+                <a:spcPts val="0"/>
+              </a:spcBef>
+              <a:spcAft>
+                <a:spcPts val="0"/>
+              </a:spcAft>
+              <a:buClr>
+                <a:schemeClr val="tx2"/>
+              </a:buClr>
+              <a:buSzPct val="90000"/>
+              <a:buFont typeface="Arial" panose="020B0604020202020204" pitchFamily="34" charset="0"/>
+              <a:buChar char="•"/>
+              <a:tabLst/>
+              <a:defRPr sz="1100" b="0" i="0" kern="1200">
+                <a:solidFill>
+                  <a:schemeClr val="tx1"/>
+                </a:solidFill>
+                <a:latin typeface="+mn-lt"/>
+                <a:ea typeface="+mn-ea"/>
+                <a:cs typeface="+mn-cs"/>
+              </a:defRPr>
+            </a:lvl3pPr>
+            <a:lvl4pPr marL="356616" indent="-118872" algn="l" defTabSz="685800" rtl="0" eaLnBrk="1" latinLnBrk="0" hangingPunct="1">
+              <a:lnSpc>
+                <a:spcPct val="120000"/>
+              </a:lnSpc>
+              <a:spcBef>
+                <a:spcPts val="0"/>
+              </a:spcBef>
+              <a:spcAft>
+                <a:spcPts val="0"/>
+              </a:spcAft>
+              <a:buClr>
+                <a:schemeClr val="tx2"/>
+              </a:buClr>
+              <a:buSzPct val="90000"/>
+              <a:buFont typeface="Arial" panose="020B0604020202020204" pitchFamily="34" charset="0"/>
+              <a:buChar char="•"/>
+              <a:tabLst/>
+              <a:defRPr sz="1000" b="0" i="0" kern="1200">
+                <a:solidFill>
+                  <a:schemeClr val="tx1"/>
+                </a:solidFill>
+                <a:latin typeface="+mn-lt"/>
+                <a:ea typeface="+mn-ea"/>
+                <a:cs typeface="+mn-cs"/>
+              </a:defRPr>
+            </a:lvl4pPr>
+            <a:lvl5pPr marL="475488" indent="-118872" algn="l" defTabSz="685800" rtl="0" eaLnBrk="1" latinLnBrk="0" hangingPunct="1">
+              <a:lnSpc>
+                <a:spcPct val="120000"/>
+              </a:lnSpc>
+              <a:spcBef>
+                <a:spcPts val="0"/>
+              </a:spcBef>
+              <a:spcAft>
+                <a:spcPts val="0"/>
+              </a:spcAft>
+              <a:buClr>
+                <a:schemeClr val="tx2"/>
+              </a:buClr>
+              <a:buSzPct val="90000"/>
+              <a:buFont typeface="Arial" panose="020B0604020202020204" pitchFamily="34" charset="0"/>
+              <a:buChar char="•"/>
+              <a:tabLst/>
+              <a:defRPr sz="900" b="0" i="0" kern="1200">
+                <a:solidFill>
+                  <a:schemeClr val="tx1"/>
+                </a:solidFill>
+                <a:latin typeface="+mn-lt"/>
+                <a:ea typeface="+mn-ea"/>
+                <a:cs typeface="+mn-cs"/>
+              </a:defRPr>
+            </a:lvl5pPr>
+            <a:lvl6pPr marL="1885950" indent="-171450" algn="l" defTabSz="685800" rtl="0" eaLnBrk="1" latinLnBrk="0" hangingPunct="1">
+              <a:lnSpc>
+                <a:spcPct val="90000"/>
+              </a:lnSpc>
+              <a:spcBef>
+                <a:spcPts val="375"/>
+              </a:spcBef>
+              <a:buFont typeface="Arial" panose="020B0604020202020204" pitchFamily="34" charset="0"/>
+              <a:buChar char="•"/>
+              <a:defRPr sz="1350" kern="1200">
+                <a:solidFill>
+                  <a:schemeClr val="tx1"/>
+                </a:solidFill>
+                <a:latin typeface="+mn-lt"/>
+                <a:ea typeface="+mn-ea"/>
+                <a:cs typeface="+mn-cs"/>
+              </a:defRPr>
+            </a:lvl6pPr>
+            <a:lvl7pPr marL="2228850" indent="-171450" algn="l" defTabSz="685800" rtl="0" eaLnBrk="1" latinLnBrk="0" hangingPunct="1">
+              <a:lnSpc>
+                <a:spcPct val="90000"/>
+              </a:lnSpc>
+              <a:spcBef>
+                <a:spcPts val="375"/>
+              </a:spcBef>
+              <a:buFont typeface="Arial" panose="020B0604020202020204" pitchFamily="34" charset="0"/>
+              <a:buChar char="•"/>
+              <a:defRPr sz="1350" kern="1200">
+                <a:solidFill>
+                  <a:schemeClr val="tx1"/>
+                </a:solidFill>
+                <a:latin typeface="+mn-lt"/>
+                <a:ea typeface="+mn-ea"/>
+                <a:cs typeface="+mn-cs"/>
+              </a:defRPr>
+            </a:lvl7pPr>
+            <a:lvl8pPr marL="2571750" indent="-171450" algn="l" defTabSz="685800" rtl="0" eaLnBrk="1" latinLnBrk="0" hangingPunct="1">
+              <a:lnSpc>
+                <a:spcPct val="90000"/>
+              </a:lnSpc>
+              <a:spcBef>
+                <a:spcPts val="375"/>
+              </a:spcBef>
+              <a:buFont typeface="Arial" panose="020B0604020202020204" pitchFamily="34" charset="0"/>
+              <a:buChar char="•"/>
+              <a:defRPr sz="1350" kern="1200">
+                <a:solidFill>
+                  <a:schemeClr val="tx1"/>
+                </a:solidFill>
+                <a:latin typeface="+mn-lt"/>
+                <a:ea typeface="+mn-ea"/>
+                <a:cs typeface="+mn-cs"/>
+              </a:defRPr>
+            </a:lvl8pPr>
+            <a:lvl9pPr marL="2914650" indent="-171450" algn="l" defTabSz="685800" rtl="0" eaLnBrk="1" latinLnBrk="0" hangingPunct="1">
+              <a:lnSpc>
+                <a:spcPct val="90000"/>
+              </a:lnSpc>
+              <a:spcBef>
+                <a:spcPts val="375"/>
+              </a:spcBef>
+              <a:buFont typeface="Arial" panose="020B0604020202020204" pitchFamily="34" charset="0"/>
+              <a:buChar char="•"/>
+              <a:defRPr sz="1350" kern="1200">
+                <a:solidFill>
+                  <a:schemeClr val="tx1"/>
+                </a:solidFill>
+                <a:latin typeface="+mn-lt"/>
+                <a:ea typeface="+mn-ea"/>
+                <a:cs typeface="+mn-cs"/>
+              </a:defRPr>
+            </a:lvl9pPr>
+          </a:lstStyle>
           <a:p>
+            <a:pPr>
+              <a:lnSpc>
+                <a:spcPct val="100000"/>
+              </a:lnSpc>
+              <a:spcAft>
+                <a:spcPts val="400"/>
+              </a:spcAft>
+            </a:pPr>
             <a:r>
-              <a:rPr lang="en-US" sz="2400" dirty="0"/>
-              <a:t>Step-by-step construction and evaluation of a Regression Model</a:t>
+              <a:rPr lang="en-US" sz="2400" b="1" dirty="0"/>
+              <a:t>Speaker: Luis Alberto Bolaños Salazar.</a:t>
             </a:r>
-          </a:p>
-          <a:p>
-            <a:r>
-              <a:rPr lang="en-US" sz="2400" dirty="0"/>
-              <a:t> to predict house prices in </a:t>
-            </a:r>
-            <a:r>
-              <a:rPr lang="es-CO" sz="2400" dirty="0"/>
-              <a:t>Hyderabad, India.</a:t>
-            </a:r>
-          </a:p>
-          <a:p>
-            <a:endParaRPr lang="en-US" sz="2400" dirty="0">
-              <a:solidFill>
-                <a:schemeClr val="tx1"/>
-              </a:solidFill>
-              <a:latin typeface="+mn-lt"/>
-            </a:endParaRPr>
           </a:p>
         </p:txBody>
       </p:sp>
@@ -22924,7 +23118,7 @@
         <p:spPr>
           <a:xfrm>
             <a:off x="4857464" y="916489"/>
-            <a:ext cx="3233590" cy="482183"/>
+            <a:ext cx="3233590" cy="215444"/>
           </a:xfrm>
           <a:prstGeom prst="rect">
             <a:avLst/>
@@ -23129,25 +23323,6 @@
               <a:t>Presentation:</a:t>
             </a:r>
           </a:p>
-          <a:p>
-            <a:pPr defTabSz="685800">
-              <a:lnSpc>
-                <a:spcPct val="100000"/>
-              </a:lnSpc>
-              <a:spcAft>
-                <a:spcPts val="400"/>
-              </a:spcAft>
-            </a:pPr>
-            <a:r>
-              <a:rPr lang="en-US" sz="1400" b="1" dirty="0">
-                <a:solidFill>
-                  <a:schemeClr val="tx1"/>
-                </a:solidFill>
-                <a:latin typeface="+mj-lt"/>
-              </a:rPr>
-              <a:t>Speaker: Luis Alberto Bolaños Salazar.</a:t>
-            </a:r>
-          </a:p>
         </p:txBody>
       </p:sp>
       <p:sp>
@@ -23164,8 +23339,8 @@
         </p:nvSpPr>
         <p:spPr>
           <a:xfrm>
-            <a:off x="4857464" y="2058945"/>
-            <a:ext cx="2656512" cy="913070"/>
+            <a:off x="4867857" y="1865449"/>
+            <a:ext cx="3111939" cy="1661993"/>
           </a:xfrm>
           <a:prstGeom prst="rect">
             <a:avLst/>
@@ -23380,15 +23555,52 @@
               </a:spcAft>
             </a:pPr>
             <a:r>
-              <a:rPr lang="en-US" sz="1400" dirty="0"/>
-              <a:t>Apply the machine learning lifecycle to build a predictive model with real-world data.</a:t>
+              <a:rPr lang="en-US" sz="1400" dirty="0">
+                <a:solidFill>
+                  <a:schemeClr val="tx1"/>
+                </a:solidFill>
+                <a:latin typeface="Lato" panose="020F0502020204030203" pitchFamily="34" charset="77"/>
+              </a:rPr>
+              <a:t>Step-by-step machine learning cycle: analysis, preprocessing, </a:t>
             </a:r>
-            <a:endParaRPr lang="en-US" sz="1400" dirty="0">
-              <a:solidFill>
-                <a:schemeClr val="tx1"/>
-              </a:solidFill>
-              <a:latin typeface="Lato" panose="020F0502020204030203" pitchFamily="34" charset="77"/>
-            </a:endParaRPr>
+          </a:p>
+          <a:p>
+            <a:pPr defTabSz="685800">
+              <a:lnSpc>
+                <a:spcPct val="100000"/>
+              </a:lnSpc>
+              <a:spcAft>
+                <a:spcPts val="400"/>
+              </a:spcAft>
+            </a:pPr>
+            <a:r>
+              <a:rPr lang="en-US" sz="1400" dirty="0">
+                <a:solidFill>
+                  <a:schemeClr val="tx1"/>
+                </a:solidFill>
+                <a:latin typeface="Lato" panose="020F0502020204030203" pitchFamily="34" charset="77"/>
+              </a:rPr>
+              <a:t>feature engineering, training, evaluation, and deployment of a model</a:t>
+            </a:r>
+          </a:p>
+          <a:p>
+            <a:pPr defTabSz="685800">
+              <a:lnSpc>
+                <a:spcPct val="100000"/>
+              </a:lnSpc>
+              <a:spcAft>
+                <a:spcPts val="400"/>
+              </a:spcAft>
+            </a:pPr>
+            <a:r>
+              <a:rPr lang="en-US" sz="1400" dirty="0">
+                <a:solidFill>
+                  <a:schemeClr val="tx1"/>
+                </a:solidFill>
+                <a:latin typeface="Lato" panose="020F0502020204030203" pitchFamily="34" charset="77"/>
+              </a:rPr>
+              <a:t>to predict house prices in Hyderabad, India</a:t>
+            </a:r>
           </a:p>
         </p:txBody>
       </p:sp>
@@ -23406,8 +23618,8 @@
         </p:nvSpPr>
         <p:spPr>
           <a:xfrm>
-            <a:off x="4857464" y="3201401"/>
-            <a:ext cx="2553146" cy="913070"/>
+            <a:off x="4857461" y="3824913"/>
+            <a:ext cx="3111937" cy="913070"/>
           </a:xfrm>
           <a:prstGeom prst="rect">
             <a:avLst/>
@@ -23652,7 +23864,7 @@
         <p:spPr>
           <a:xfrm>
             <a:off x="4405023" y="1250444"/>
-            <a:ext cx="0" cy="2284912"/>
+            <a:ext cx="48493" cy="3197982"/>
           </a:xfrm>
           <a:prstGeom prst="line">
             <a:avLst/>
@@ -23756,7 +23968,7 @@
         </p:nvSpPr>
         <p:spPr>
           <a:xfrm>
-            <a:off x="4238045" y="2058945"/>
+            <a:off x="4262291" y="1865449"/>
             <a:ext cx="333955" cy="333955"/>
           </a:xfrm>
           <a:prstGeom prst="ellipse">
@@ -23793,7 +24005,7 @@
           <a:p>
             <a:pPr algn="ctr"/>
             <a:r>
-              <a:rPr lang="en-US" b="1">
+              <a:rPr lang="en-US" b="1" dirty="0">
                 <a:solidFill>
                   <a:schemeClr val="tx1"/>
                 </a:solidFill>
@@ -23820,7 +24032,7 @@
         </p:nvSpPr>
         <p:spPr>
           <a:xfrm>
-            <a:off x="4238045" y="3201401"/>
+            <a:off x="4286538" y="4114471"/>
             <a:ext cx="333955" cy="333955"/>
           </a:xfrm>
           <a:prstGeom prst="ellipse">
@@ -24624,7 +24836,7 @@
                 </a:solidFill>
                 <a:latin typeface="Lato" panose="020F0502020204030203" pitchFamily="34" charset="77"/>
               </a:rPr>
-              <a:t>Divide the data into two important sets and look at some feature engineering techniques.</a:t>
+              <a:t>Some feature engineering techniques and divide the data into two important sets.</a:t>
             </a:r>
           </a:p>
         </p:txBody>
@@ -25849,12 +26061,105 @@
                 <a:latin typeface="+mj-lt"/>
               </a:rPr>
             </a:br>
-            <a:endParaRPr lang="en-US" sz="1200" dirty="0">
-              <a:solidFill>
-                <a:schemeClr val="tx1"/>
-              </a:solidFill>
-              <a:latin typeface="Lato" panose="020F0502020204030203" pitchFamily="34" charset="77"/>
-            </a:endParaRPr>
+            <a:r>
+              <a:rPr lang="en-US" sz="1200" dirty="0">
+                <a:solidFill>
+                  <a:schemeClr val="tx1"/>
+                </a:solidFill>
+                <a:latin typeface="Lato" panose="020F0502020204030203" pitchFamily="34" charset="77"/>
+              </a:rPr>
+              <a:t>use</a:t>
+            </a:r>
+            <a:r>
+              <a:rPr lang="en-US" sz="1200" dirty="0">
+                <a:solidFill>
+                  <a:schemeClr val="tx1"/>
+                </a:solidFill>
+                <a:latin typeface="+mj-lt"/>
+              </a:rPr>
+              <a:t> </a:t>
+            </a:r>
+            <a:r>
+              <a:rPr lang="en-US" sz="1200" dirty="0">
+                <a:solidFill>
+                  <a:schemeClr val="tx1"/>
+                </a:solidFill>
+                <a:latin typeface="Lato" panose="020F0502020204030203" pitchFamily="34" charset="77"/>
+              </a:rPr>
+              <a:t>the</a:t>
+            </a:r>
+            <a:r>
+              <a:rPr lang="en-US" sz="1200" dirty="0">
+                <a:solidFill>
+                  <a:schemeClr val="tx1"/>
+                </a:solidFill>
+                <a:latin typeface="+mj-lt"/>
+              </a:rPr>
+              <a:t> </a:t>
+            </a:r>
+            <a:r>
+              <a:rPr lang="en-US" sz="1200" dirty="0">
+                <a:solidFill>
+                  <a:schemeClr val="tx1"/>
+                </a:solidFill>
+                <a:latin typeface="Lato" panose="020F0502020204030203" pitchFamily="34" charset="77"/>
+              </a:rPr>
+              <a:t>model</a:t>
+            </a:r>
+            <a:r>
+              <a:rPr lang="en-US" sz="1200" dirty="0">
+                <a:solidFill>
+                  <a:schemeClr val="tx1"/>
+                </a:solidFill>
+                <a:latin typeface="+mj-lt"/>
+              </a:rPr>
+              <a:t> </a:t>
+            </a:r>
+            <a:r>
+              <a:rPr lang="en-US" sz="1200" dirty="0">
+                <a:solidFill>
+                  <a:schemeClr val="tx1"/>
+                </a:solidFill>
+                <a:latin typeface="Lato" panose="020F0502020204030203" pitchFamily="34" charset="77"/>
+              </a:rPr>
+              <a:t>through</a:t>
+            </a:r>
+            <a:r>
+              <a:rPr lang="en-US" sz="1200" dirty="0">
+                <a:solidFill>
+                  <a:schemeClr val="tx1"/>
+                </a:solidFill>
+                <a:latin typeface="+mj-lt"/>
+              </a:rPr>
+              <a:t> </a:t>
+            </a:r>
+            <a:r>
+              <a:rPr lang="en-US" sz="1200" dirty="0">
+                <a:solidFill>
+                  <a:schemeClr val="tx1"/>
+                </a:solidFill>
+                <a:latin typeface="Lato" panose="020F0502020204030203" pitchFamily="34" charset="77"/>
+              </a:rPr>
+              <a:t>an</a:t>
+            </a:r>
+            <a:r>
+              <a:rPr lang="en-US" sz="1200" dirty="0">
+                <a:solidFill>
+                  <a:schemeClr val="tx1"/>
+                </a:solidFill>
+                <a:latin typeface="+mj-lt"/>
+              </a:rPr>
+              <a:t> </a:t>
+            </a:r>
+            <a:r>
+              <a:rPr lang="en-US" sz="1200" dirty="0">
+                <a:solidFill>
+                  <a:schemeClr val="tx1"/>
+                </a:solidFill>
+                <a:latin typeface="Lato" panose="020F0502020204030203" pitchFamily="34" charset="77"/>
+              </a:rPr>
+              <a:t>endpoint</a:t>
+            </a:r>
           </a:p>
         </p:txBody>
       </p:sp>
@@ -27069,6 +27374,15 @@
 </file>
 
 <file path=customXml/item2.xml><?xml version="1.0" encoding="utf-8"?>
+<?mso-contentType ?>
+<FormTemplates xmlns="http://schemas.microsoft.com/sharepoint/v3/contenttype/forms">
+  <Display>DocumentLibraryForm</Display>
+  <Edit>DocumentLibraryForm</Edit>
+  <New>DocumentLibraryForm</New>
+</FormTemplates>
+</file>
+
+<file path=customXml/item3.xml><?xml version="1.0" encoding="utf-8"?>
 <p:properties xmlns:p="http://schemas.microsoft.com/office/2006/metadata/properties" xmlns:xsi="http://www.w3.org/2001/XMLSchema-instance" xmlns:pc="http://schemas.microsoft.com/office/infopath/2007/PartnerControls">
   <documentManagement>
     <TaxCatchAll xmlns="7ed3c4da-b135-42a5-aaf8-d0ebc05f566e">
@@ -27098,15 +27412,6 @@
 </p:properties>
 </file>
 
-<file path=customXml/item3.xml><?xml version="1.0" encoding="utf-8"?>
-<?mso-contentType ?>
-<FormTemplates xmlns="http://schemas.microsoft.com/sharepoint/v3/contenttype/forms">
-  <Display>DocumentLibraryForm</Display>
-  <Edit>DocumentLibraryForm</Edit>
-  <New>DocumentLibraryForm</New>
-</FormTemplates>
-</file>
-
 <file path=customXml/itemProps1.xml><?xml version="1.0" encoding="utf-8"?>
 <ds:datastoreItem xmlns:ds="http://schemas.openxmlformats.org/officeDocument/2006/customXml" ds:itemID="{BA890F9F-2984-4E51-ACD7-5DF631C637D9}">
   <ds:schemaRefs>
@@ -27127,6 +27432,14 @@
 </file>
 
 <file path=customXml/itemProps2.xml><?xml version="1.0" encoding="utf-8"?>
+<ds:datastoreItem xmlns:ds="http://schemas.openxmlformats.org/officeDocument/2006/customXml" ds:itemID="{D312BEDD-CD8E-464E-AE20-7BCD0C997533}">
+  <ds:schemaRefs>
+    <ds:schemaRef ds:uri="http://schemas.microsoft.com/sharepoint/v3/contenttype/forms"/>
+  </ds:schemaRefs>
+</ds:datastoreItem>
+</file>
+
+<file path=customXml/itemProps3.xml><?xml version="1.0" encoding="utf-8"?>
 <ds:datastoreItem xmlns:ds="http://schemas.openxmlformats.org/officeDocument/2006/customXml" ds:itemID="{C8EB68D2-3737-4D90-804A-6B964CF8EB88}">
   <ds:schemaRefs>
     <ds:schemaRef ds:uri="http://purl.org/dc/elements/1.1/"/>
@@ -27143,14 +27456,6 @@
 </ds:datastoreItem>
 </file>
 
-<file path=customXml/itemProps3.xml><?xml version="1.0" encoding="utf-8"?>
-<ds:datastoreItem xmlns:ds="http://schemas.openxmlformats.org/officeDocument/2006/customXml" ds:itemID="{D312BEDD-CD8E-464E-AE20-7BCD0C997533}">
-  <ds:schemaRefs>
-    <ds:schemaRef ds:uri="http://schemas.microsoft.com/sharepoint/v3/contenttype/forms"/>
-  </ds:schemaRefs>
-</ds:datastoreItem>
-</file>
-
 <file path=docMetadata/LabelInfo.xml><?xml version="1.0" encoding="utf-8"?>
 <clbl:labelList xmlns:clbl="http://schemas.microsoft.com/office/2020/mipLabelMetadata">
   <clbl:label id="{243bd71d-cef7-442d-b37f-3ff10a3e2832}" enabled="0" method="" siteId="{243bd71d-cef7-442d-b37f-3ff10a3e2832}" removed="1"/>

--- a/layers/Case Study_Analyzing House Price Data with Machine Learning.pptx
+++ b/layers/Case Study_Analyzing House Price Data with Machine Learning.pptx
@@ -28,7 +28,7 @@
       <p:boldItalic r:id="rId15"/>
     </p:embeddedFont>
     <p:embeddedFont>
-      <p:font typeface="Lato Black" panose="020F0502020204030203" pitchFamily="34" charset="0"/>
+      <p:font typeface="Lato Black" panose="020F0A02020204030203" pitchFamily="34" charset="0"/>
       <p:bold r:id="rId16"/>
       <p:italic r:id="rId17"/>
       <p:boldItalic r:id="rId18"/>
@@ -23340,7 +23340,7 @@
         <p:spPr>
           <a:xfrm>
             <a:off x="4867857" y="1865449"/>
-            <a:ext cx="3111939" cy="1661993"/>
+            <a:ext cx="3111939" cy="1179810"/>
           </a:xfrm>
           <a:prstGeom prst="rect">
             <a:avLst/>
@@ -23580,26 +23580,7 @@
                 </a:solidFill>
                 <a:latin typeface="Lato" panose="020F0502020204030203" pitchFamily="34" charset="77"/>
               </a:rPr>
-              <a:t>feature engineering, training, evaluation, and deployment of a model</a:t>
-            </a:r>
-          </a:p>
-          <a:p>
-            <a:pPr defTabSz="685800">
-              <a:lnSpc>
-                <a:spcPct val="100000"/>
-              </a:lnSpc>
-              <a:spcAft>
-                <a:spcPts val="400"/>
-              </a:spcAft>
-            </a:pPr>
-            <a:r>
-              <a:rPr lang="en-US" sz="1400" dirty="0">
-                <a:solidFill>
-                  <a:schemeClr val="tx1"/>
-                </a:solidFill>
-                <a:latin typeface="Lato" panose="020F0502020204030203" pitchFamily="34" charset="77"/>
-              </a:rPr>
-              <a:t>to predict house prices in Hyderabad, India</a:t>
+              <a:t>feature engineering, training, evaluation, and deployment of a model.</a:t>
             </a:r>
           </a:p>
         </p:txBody>
@@ -23618,7 +23599,7 @@
         </p:nvSpPr>
         <p:spPr>
           <a:xfrm>
-            <a:off x="4857461" y="3824913"/>
+            <a:off x="4857464" y="3371056"/>
             <a:ext cx="3111937" cy="913070"/>
           </a:xfrm>
           <a:prstGeom prst="rect">
@@ -23864,7 +23845,7 @@
         <p:spPr>
           <a:xfrm>
             <a:off x="4405023" y="1250444"/>
-            <a:ext cx="48493" cy="3197982"/>
+            <a:ext cx="24246" cy="2454567"/>
           </a:xfrm>
           <a:prstGeom prst="line">
             <a:avLst/>
@@ -23968,7 +23949,7 @@
         </p:nvSpPr>
         <p:spPr>
           <a:xfrm>
-            <a:off x="4262291" y="1865449"/>
+            <a:off x="4262291" y="1976794"/>
             <a:ext cx="333955" cy="333955"/>
           </a:xfrm>
           <a:prstGeom prst="ellipse">
@@ -24032,7 +24013,7 @@
         </p:nvSpPr>
         <p:spPr>
           <a:xfrm>
-            <a:off x="4286538" y="4114471"/>
+            <a:off x="4262291" y="3371056"/>
             <a:ext cx="333955" cy="333955"/>
           </a:xfrm>
           <a:prstGeom prst="ellipse">
@@ -24069,7 +24050,7 @@
           <a:p>
             <a:pPr algn="ctr"/>
             <a:r>
-              <a:rPr lang="en-US" b="1">
+              <a:rPr lang="en-US" b="1" dirty="0">
                 <a:solidFill>
                   <a:schemeClr val="tx1"/>
                 </a:solidFill>
@@ -27374,15 +27355,6 @@
 </file>
 
 <file path=customXml/item2.xml><?xml version="1.0" encoding="utf-8"?>
-<?mso-contentType ?>
-<FormTemplates xmlns="http://schemas.microsoft.com/sharepoint/v3/contenttype/forms">
-  <Display>DocumentLibraryForm</Display>
-  <Edit>DocumentLibraryForm</Edit>
-  <New>DocumentLibraryForm</New>
-</FormTemplates>
-</file>
-
-<file path=customXml/item3.xml><?xml version="1.0" encoding="utf-8"?>
 <p:properties xmlns:p="http://schemas.microsoft.com/office/2006/metadata/properties" xmlns:xsi="http://www.w3.org/2001/XMLSchema-instance" xmlns:pc="http://schemas.microsoft.com/office/infopath/2007/PartnerControls">
   <documentManagement>
     <TaxCatchAll xmlns="7ed3c4da-b135-42a5-aaf8-d0ebc05f566e">
@@ -27412,6 +27384,15 @@
 </p:properties>
 </file>
 
+<file path=customXml/item3.xml><?xml version="1.0" encoding="utf-8"?>
+<?mso-contentType ?>
+<FormTemplates xmlns="http://schemas.microsoft.com/sharepoint/v3/contenttype/forms">
+  <Display>DocumentLibraryForm</Display>
+  <Edit>DocumentLibraryForm</Edit>
+  <New>DocumentLibraryForm</New>
+</FormTemplates>
+</file>
+
 <file path=customXml/itemProps1.xml><?xml version="1.0" encoding="utf-8"?>
 <ds:datastoreItem xmlns:ds="http://schemas.openxmlformats.org/officeDocument/2006/customXml" ds:itemID="{BA890F9F-2984-4E51-ACD7-5DF631C637D9}">
   <ds:schemaRefs>
@@ -27432,14 +27413,6 @@
 </file>
 
 <file path=customXml/itemProps2.xml><?xml version="1.0" encoding="utf-8"?>
-<ds:datastoreItem xmlns:ds="http://schemas.openxmlformats.org/officeDocument/2006/customXml" ds:itemID="{D312BEDD-CD8E-464E-AE20-7BCD0C997533}">
-  <ds:schemaRefs>
-    <ds:schemaRef ds:uri="http://schemas.microsoft.com/sharepoint/v3/contenttype/forms"/>
-  </ds:schemaRefs>
-</ds:datastoreItem>
-</file>
-
-<file path=customXml/itemProps3.xml><?xml version="1.0" encoding="utf-8"?>
 <ds:datastoreItem xmlns:ds="http://schemas.openxmlformats.org/officeDocument/2006/customXml" ds:itemID="{C8EB68D2-3737-4D90-804A-6B964CF8EB88}">
   <ds:schemaRefs>
     <ds:schemaRef ds:uri="http://purl.org/dc/elements/1.1/"/>
@@ -27456,6 +27429,14 @@
 </ds:datastoreItem>
 </file>
 
+<file path=customXml/itemProps3.xml><?xml version="1.0" encoding="utf-8"?>
+<ds:datastoreItem xmlns:ds="http://schemas.openxmlformats.org/officeDocument/2006/customXml" ds:itemID="{D312BEDD-CD8E-464E-AE20-7BCD0C997533}">
+  <ds:schemaRefs>
+    <ds:schemaRef ds:uri="http://schemas.microsoft.com/sharepoint/v3/contenttype/forms"/>
+  </ds:schemaRefs>
+</ds:datastoreItem>
+</file>
+
 <file path=docMetadata/LabelInfo.xml><?xml version="1.0" encoding="utf-8"?>
 <clbl:labelList xmlns:clbl="http://schemas.microsoft.com/office/2020/mipLabelMetadata">
   <clbl:label id="{243bd71d-cef7-442d-b37f-3ff10a3e2832}" enabled="0" method="" siteId="{243bd71d-cef7-442d-b37f-3ff10a3e2832}" removed="1"/>
